--- a/Nursing/Nursing_Presentation.pptx
+++ b/Nursing/Nursing_Presentation.pptx
@@ -17335,8 +17335,8 @@
         </p:blipFill>
         <p:spPr>
           <a:xfrm>
-            <a:off x="4719396" y="2581422"/>
-            <a:ext cx="6952099" cy="3686980"/>
+            <a:off x="5425174" y="2581422"/>
+            <a:ext cx="6246321" cy="3686980"/>
           </a:xfrm>
           <a:prstGeom prst="rect">
             <a:avLst/>

--- a/Nursing/Nursing_Presentation.pptx
+++ b/Nursing/Nursing_Presentation.pptx
@@ -16,16 +16,17 @@
     <p:sldId id="259" r:id="rId10"/>
     <p:sldId id="260" r:id="rId11"/>
     <p:sldId id="261" r:id="rId12"/>
-    <p:sldId id="262" r:id="rId13"/>
-    <p:sldId id="263" r:id="rId14"/>
-    <p:sldId id="274" r:id="rId15"/>
-    <p:sldId id="264" r:id="rId16"/>
-    <p:sldId id="265" r:id="rId17"/>
-    <p:sldId id="266" r:id="rId18"/>
-    <p:sldId id="275" r:id="rId19"/>
-    <p:sldId id="268" r:id="rId20"/>
-    <p:sldId id="276" r:id="rId21"/>
-    <p:sldId id="267" r:id="rId22"/>
+    <p:sldId id="277" r:id="rId13"/>
+    <p:sldId id="262" r:id="rId14"/>
+    <p:sldId id="263" r:id="rId15"/>
+    <p:sldId id="274" r:id="rId16"/>
+    <p:sldId id="264" r:id="rId17"/>
+    <p:sldId id="265" r:id="rId18"/>
+    <p:sldId id="266" r:id="rId19"/>
+    <p:sldId id="275" r:id="rId20"/>
+    <p:sldId id="268" r:id="rId21"/>
+    <p:sldId id="276" r:id="rId22"/>
+    <p:sldId id="267" r:id="rId23"/>
   </p:sldIdLst>
   <p:sldSz cx="12192000" cy="6858000"/>
   <p:notesSz cx="6858000" cy="9144000"/>
@@ -4269,7 +4270,7 @@
           <a:p>
             <a:fld id="{14BE1731-7252-4982-8A64-56CEFFFC6B27}" type="datetimeFigureOut">
               <a:rPr lang="en-US" smtClean="0"/>
-              <a:t>11/15/2020</a:t>
+              <a:t>11/16/2020</a:t>
             </a:fld>
             <a:endParaRPr lang="en-US"/>
           </a:p>
@@ -4467,7 +4468,7 @@
           <a:p>
             <a:fld id="{14BE1731-7252-4982-8A64-56CEFFFC6B27}" type="datetimeFigureOut">
               <a:rPr lang="en-US" smtClean="0"/>
-              <a:t>11/15/2020</a:t>
+              <a:t>11/16/2020</a:t>
             </a:fld>
             <a:endParaRPr lang="en-US"/>
           </a:p>
@@ -4675,7 +4676,7 @@
           <a:p>
             <a:fld id="{14BE1731-7252-4982-8A64-56CEFFFC6B27}" type="datetimeFigureOut">
               <a:rPr lang="en-US" smtClean="0"/>
-              <a:t>11/15/2020</a:t>
+              <a:t>11/16/2020</a:t>
             </a:fld>
             <a:endParaRPr lang="en-US"/>
           </a:p>
@@ -4873,7 +4874,7 @@
           <a:p>
             <a:fld id="{14BE1731-7252-4982-8A64-56CEFFFC6B27}" type="datetimeFigureOut">
               <a:rPr lang="en-US" smtClean="0"/>
-              <a:t>11/15/2020</a:t>
+              <a:t>11/16/2020</a:t>
             </a:fld>
             <a:endParaRPr lang="en-US"/>
           </a:p>
@@ -5148,7 +5149,7 @@
           <a:p>
             <a:fld id="{14BE1731-7252-4982-8A64-56CEFFFC6B27}" type="datetimeFigureOut">
               <a:rPr lang="en-US" smtClean="0"/>
-              <a:t>11/15/2020</a:t>
+              <a:t>11/16/2020</a:t>
             </a:fld>
             <a:endParaRPr lang="en-US"/>
           </a:p>
@@ -5413,7 +5414,7 @@
           <a:p>
             <a:fld id="{14BE1731-7252-4982-8A64-56CEFFFC6B27}" type="datetimeFigureOut">
               <a:rPr lang="en-US" smtClean="0"/>
-              <a:t>11/15/2020</a:t>
+              <a:t>11/16/2020</a:t>
             </a:fld>
             <a:endParaRPr lang="en-US"/>
           </a:p>
@@ -5825,7 +5826,7 @@
           <a:p>
             <a:fld id="{14BE1731-7252-4982-8A64-56CEFFFC6B27}" type="datetimeFigureOut">
               <a:rPr lang="en-US" smtClean="0"/>
-              <a:t>11/15/2020</a:t>
+              <a:t>11/16/2020</a:t>
             </a:fld>
             <a:endParaRPr lang="en-US"/>
           </a:p>
@@ -5966,7 +5967,7 @@
           <a:p>
             <a:fld id="{14BE1731-7252-4982-8A64-56CEFFFC6B27}" type="datetimeFigureOut">
               <a:rPr lang="en-US" smtClean="0"/>
-              <a:t>11/15/2020</a:t>
+              <a:t>11/16/2020</a:t>
             </a:fld>
             <a:endParaRPr lang="en-US"/>
           </a:p>
@@ -6079,7 +6080,7 @@
           <a:p>
             <a:fld id="{14BE1731-7252-4982-8A64-56CEFFFC6B27}" type="datetimeFigureOut">
               <a:rPr lang="en-US" smtClean="0"/>
-              <a:t>11/15/2020</a:t>
+              <a:t>11/16/2020</a:t>
             </a:fld>
             <a:endParaRPr lang="en-US"/>
           </a:p>
@@ -6390,7 +6391,7 @@
           <a:p>
             <a:fld id="{14BE1731-7252-4982-8A64-56CEFFFC6B27}" type="datetimeFigureOut">
               <a:rPr lang="en-US" smtClean="0"/>
-              <a:t>11/15/2020</a:t>
+              <a:t>11/16/2020</a:t>
             </a:fld>
             <a:endParaRPr lang="en-US"/>
           </a:p>
@@ -6678,7 +6679,7 @@
           <a:p>
             <a:fld id="{14BE1731-7252-4982-8A64-56CEFFFC6B27}" type="datetimeFigureOut">
               <a:rPr lang="en-US" smtClean="0"/>
-              <a:t>11/15/2020</a:t>
+              <a:t>11/16/2020</a:t>
             </a:fld>
             <a:endParaRPr lang="en-US"/>
           </a:p>
@@ -6919,7 +6920,7 @@
           <a:p>
             <a:fld id="{14BE1731-7252-4982-8A64-56CEFFFC6B27}" type="datetimeFigureOut">
               <a:rPr lang="en-US" smtClean="0"/>
-              <a:t>11/15/2020</a:t>
+              <a:t>11/16/2020</a:t>
             </a:fld>
             <a:endParaRPr lang="en-US"/>
           </a:p>
@@ -8855,6 +8856,514 @@
         </p:nvSpPr>
         <p:spPr>
           <a:xfrm>
+            <a:off x="1188112" y="345905"/>
+            <a:ext cx="9815776" cy="732155"/>
+          </a:xfrm>
+        </p:spPr>
+        <p:txBody>
+          <a:bodyPr>
+            <a:normAutofit/>
+          </a:bodyPr>
+          <a:lstStyle/>
+          <a:p>
+            <a:pPr algn="ctr"/>
+            <a:r>
+              <a:rPr lang="en-US" sz="3800" dirty="0">
+                <a:latin typeface="Times New Roman" panose="02020603050405020304" pitchFamily="18" charset="0"/>
+                <a:cs typeface="Times New Roman" panose="02020603050405020304" pitchFamily="18" charset="0"/>
+              </a:rPr>
+              <a:t>Breakdown of Costing</a:t>
+            </a:r>
+          </a:p>
+        </p:txBody>
+      </p:sp>
+      <p:pic>
+        <p:nvPicPr>
+          <p:cNvPr id="7" name="Picture 6">
+            <a:extLst>
+              <a:ext uri="{FF2B5EF4-FFF2-40B4-BE49-F238E27FC236}">
+                <a16:creationId xmlns:a16="http://schemas.microsoft.com/office/drawing/2014/main" id="{B3D0025F-C33C-4143-886E-1E82C2EEC197}"/>
+              </a:ext>
+            </a:extLst>
+          </p:cNvPr>
+          <p:cNvPicPr>
+            <a:picLocks noChangeAspect="1"/>
+          </p:cNvPicPr>
+          <p:nvPr/>
+        </p:nvPicPr>
+        <p:blipFill>
+          <a:blip r:embed="rId2">
+            <a:extLst>
+              <a:ext uri="{28A0092B-C50C-407E-A947-70E740481C1C}">
+                <a14:useLocalDpi xmlns:a14="http://schemas.microsoft.com/office/drawing/2010/main" val="0"/>
+              </a:ext>
+            </a:extLst>
+          </a:blip>
+          <a:stretch>
+            <a:fillRect/>
+          </a:stretch>
+        </p:blipFill>
+        <p:spPr>
+          <a:xfrm>
+            <a:off x="520505" y="6176962"/>
+            <a:ext cx="2328348" cy="681038"/>
+          </a:xfrm>
+          <a:prstGeom prst="rect">
+            <a:avLst/>
+          </a:prstGeom>
+        </p:spPr>
+      </p:pic>
+      <p:sp>
+        <p:nvSpPr>
+          <p:cNvPr id="9" name="TextBox 8">
+            <a:extLst>
+              <a:ext uri="{FF2B5EF4-FFF2-40B4-BE49-F238E27FC236}">
+                <a16:creationId xmlns:a16="http://schemas.microsoft.com/office/drawing/2014/main" id="{48F2175B-8860-4A11-921D-E6F4CCC55E91}"/>
+              </a:ext>
+            </a:extLst>
+          </p:cNvPr>
+          <p:cNvSpPr txBox="1"/>
+          <p:nvPr/>
+        </p:nvSpPr>
+        <p:spPr>
+          <a:xfrm>
+            <a:off x="8774723" y="6317426"/>
+            <a:ext cx="2929597" cy="400110"/>
+          </a:xfrm>
+          <a:prstGeom prst="rect">
+            <a:avLst/>
+          </a:prstGeom>
+          <a:noFill/>
+        </p:spPr>
+        <p:txBody>
+          <a:bodyPr wrap="square">
+            <a:spAutoFit/>
+          </a:bodyPr>
+          <a:lstStyle/>
+          <a:p>
+            <a:r>
+              <a:rPr lang="en-US" sz="2000" b="1" dirty="0">
+                <a:solidFill>
+                  <a:srgbClr val="0070C0"/>
+                </a:solidFill>
+                <a:latin typeface="Times New Roman" panose="02020603050405020304" pitchFamily="18" charset="0"/>
+                <a:cs typeface="Times New Roman" panose="02020603050405020304" pitchFamily="18" charset="0"/>
+              </a:rPr>
+              <a:t>https://www.baira.org.bd</a:t>
+            </a:r>
+          </a:p>
+        </p:txBody>
+      </p:sp>
+      <p:sp>
+        <p:nvSpPr>
+          <p:cNvPr id="11" name="Content Placeholder 10">
+            <a:extLst>
+              <a:ext uri="{FF2B5EF4-FFF2-40B4-BE49-F238E27FC236}">
+                <a16:creationId xmlns:a16="http://schemas.microsoft.com/office/drawing/2014/main" id="{B106FA8B-92A1-4816-BEE7-593B81F5ED5A}"/>
+              </a:ext>
+            </a:extLst>
+          </p:cNvPr>
+          <p:cNvSpPr>
+            <a:spLocks noGrp="1"/>
+          </p:cNvSpPr>
+          <p:nvPr>
+            <p:ph idx="1"/>
+          </p:nvPr>
+        </p:nvSpPr>
+        <p:spPr>
+          <a:xfrm>
+            <a:off x="838200" y="1253331"/>
+            <a:ext cx="5257800" cy="2474607"/>
+          </a:xfrm>
+        </p:spPr>
+        <p:txBody>
+          <a:bodyPr>
+            <a:normAutofit/>
+          </a:bodyPr>
+          <a:lstStyle/>
+          <a:p>
+            <a:pPr marL="0" marR="0">
+              <a:lnSpc>
+                <a:spcPct val="107000"/>
+              </a:lnSpc>
+              <a:spcBef>
+                <a:spcPts val="0"/>
+              </a:spcBef>
+              <a:spcAft>
+                <a:spcPts val="800"/>
+              </a:spcAft>
+            </a:pPr>
+            <a:r>
+              <a:rPr lang="en-US" sz="1800" dirty="0">
+                <a:effectLst/>
+                <a:latin typeface="Times New Roman" panose="02020603050405020304" pitchFamily="18" charset="0"/>
+                <a:ea typeface="Calibri" panose="020F0502020204030204" pitchFamily="34" charset="0"/>
+                <a:cs typeface="Times New Roman" panose="02020603050405020304" pitchFamily="18" charset="0"/>
+              </a:rPr>
+              <a:t>Curriculum Development</a:t>
+            </a:r>
+          </a:p>
+          <a:p>
+            <a:pPr marL="0" marR="0">
+              <a:lnSpc>
+                <a:spcPct val="107000"/>
+              </a:lnSpc>
+              <a:spcBef>
+                <a:spcPts val="0"/>
+              </a:spcBef>
+              <a:spcAft>
+                <a:spcPts val="800"/>
+              </a:spcAft>
+            </a:pPr>
+            <a:r>
+              <a:rPr lang="en-US" sz="1800" dirty="0">
+                <a:effectLst/>
+                <a:latin typeface="Times New Roman" panose="02020603050405020304" pitchFamily="18" charset="0"/>
+                <a:ea typeface="Calibri" panose="020F0502020204030204" pitchFamily="34" charset="0"/>
+                <a:cs typeface="Times New Roman" panose="02020603050405020304" pitchFamily="18" charset="0"/>
+              </a:rPr>
+              <a:t>Master ToT &amp; ToT Preparation</a:t>
+            </a:r>
+          </a:p>
+          <a:p>
+            <a:pPr marL="0" marR="0">
+              <a:lnSpc>
+                <a:spcPct val="107000"/>
+              </a:lnSpc>
+              <a:spcBef>
+                <a:spcPts val="0"/>
+              </a:spcBef>
+              <a:spcAft>
+                <a:spcPts val="800"/>
+              </a:spcAft>
+            </a:pPr>
+            <a:r>
+              <a:rPr lang="en-US" sz="1800" dirty="0">
+                <a:effectLst/>
+                <a:latin typeface="Times New Roman" panose="02020603050405020304" pitchFamily="18" charset="0"/>
+                <a:ea typeface="Calibri" panose="020F0502020204030204" pitchFamily="34" charset="0"/>
+                <a:cs typeface="Times New Roman" panose="02020603050405020304" pitchFamily="18" charset="0"/>
+              </a:rPr>
+              <a:t>Online &amp; Offline Classroom development</a:t>
+            </a:r>
+          </a:p>
+          <a:p>
+            <a:pPr marL="0" marR="0">
+              <a:lnSpc>
+                <a:spcPct val="107000"/>
+              </a:lnSpc>
+              <a:spcBef>
+                <a:spcPts val="0"/>
+              </a:spcBef>
+              <a:spcAft>
+                <a:spcPts val="800"/>
+              </a:spcAft>
+            </a:pPr>
+            <a:r>
+              <a:rPr lang="en-US" sz="1800" dirty="0">
+                <a:effectLst/>
+                <a:latin typeface="Times New Roman" panose="02020603050405020304" pitchFamily="18" charset="0"/>
+                <a:ea typeface="Calibri" panose="020F0502020204030204" pitchFamily="34" charset="0"/>
+                <a:cs typeface="Times New Roman" panose="02020603050405020304" pitchFamily="18" charset="0"/>
+              </a:rPr>
+              <a:t>Conduction of Classes (Theory &amp; Practical)</a:t>
+            </a:r>
+          </a:p>
+          <a:p>
+            <a:pPr marL="0" marR="0">
+              <a:lnSpc>
+                <a:spcPct val="107000"/>
+              </a:lnSpc>
+              <a:spcBef>
+                <a:spcPts val="0"/>
+              </a:spcBef>
+              <a:spcAft>
+                <a:spcPts val="800"/>
+              </a:spcAft>
+            </a:pPr>
+            <a:r>
+              <a:rPr lang="en-US" sz="1800" dirty="0">
+                <a:effectLst/>
+                <a:latin typeface="Times New Roman" panose="02020603050405020304" pitchFamily="18" charset="0"/>
+                <a:ea typeface="Calibri" panose="020F0502020204030204" pitchFamily="34" charset="0"/>
+                <a:cs typeface="Times New Roman" panose="02020603050405020304" pitchFamily="18" charset="0"/>
+              </a:rPr>
+              <a:t>Training on Professionalism</a:t>
+            </a:r>
+          </a:p>
+          <a:p>
+            <a:pPr marL="0" marR="0">
+              <a:lnSpc>
+                <a:spcPct val="107000"/>
+              </a:lnSpc>
+              <a:spcBef>
+                <a:spcPts val="0"/>
+              </a:spcBef>
+              <a:spcAft>
+                <a:spcPts val="800"/>
+              </a:spcAft>
+            </a:pPr>
+            <a:r>
+              <a:rPr lang="en-US" sz="1800" dirty="0">
+                <a:effectLst/>
+                <a:latin typeface="Times New Roman" panose="02020603050405020304" pitchFamily="18" charset="0"/>
+                <a:ea typeface="Calibri" panose="020F0502020204030204" pitchFamily="34" charset="0"/>
+                <a:cs typeface="Times New Roman" panose="02020603050405020304" pitchFamily="18" charset="0"/>
+              </a:rPr>
+              <a:t>Consultant Fee</a:t>
+            </a:r>
+          </a:p>
+        </p:txBody>
+      </p:sp>
+      <p:sp>
+        <p:nvSpPr>
+          <p:cNvPr id="13" name="TextBox 12">
+            <a:extLst>
+              <a:ext uri="{FF2B5EF4-FFF2-40B4-BE49-F238E27FC236}">
+                <a16:creationId xmlns:a16="http://schemas.microsoft.com/office/drawing/2014/main" id="{E4B053B4-58C0-4FA3-876D-62BD7AE09B27}"/>
+              </a:ext>
+            </a:extLst>
+          </p:cNvPr>
+          <p:cNvSpPr txBox="1"/>
+          <p:nvPr/>
+        </p:nvSpPr>
+        <p:spPr>
+          <a:xfrm>
+            <a:off x="7131755" y="1253331"/>
+            <a:ext cx="3872133" cy="2762488"/>
+          </a:xfrm>
+          <a:prstGeom prst="rect">
+            <a:avLst/>
+          </a:prstGeom>
+          <a:noFill/>
+        </p:spPr>
+        <p:txBody>
+          <a:bodyPr wrap="square">
+            <a:spAutoFit/>
+          </a:bodyPr>
+          <a:lstStyle/>
+          <a:p>
+            <a:pPr marL="285750" marR="0" indent="-285750">
+              <a:lnSpc>
+                <a:spcPct val="107000"/>
+              </a:lnSpc>
+              <a:spcBef>
+                <a:spcPts val="0"/>
+              </a:spcBef>
+              <a:spcAft>
+                <a:spcPts val="800"/>
+              </a:spcAft>
+              <a:buFont typeface="Arial" panose="020B0604020202020204" pitchFamily="34" charset="0"/>
+              <a:buChar char="•"/>
+            </a:pPr>
+            <a:r>
+              <a:rPr lang="en-US" sz="1800" dirty="0">
+                <a:effectLst/>
+                <a:latin typeface="Times New Roman" panose="02020603050405020304" pitchFamily="18" charset="0"/>
+                <a:ea typeface="Calibri" panose="020F0502020204030204" pitchFamily="34" charset="0"/>
+                <a:cs typeface="Times New Roman" panose="02020603050405020304" pitchFamily="18" charset="0"/>
+              </a:rPr>
+              <a:t>Admission Cost</a:t>
+            </a:r>
+          </a:p>
+          <a:p>
+            <a:pPr marL="285750" marR="0" indent="-285750">
+              <a:lnSpc>
+                <a:spcPct val="107000"/>
+              </a:lnSpc>
+              <a:spcBef>
+                <a:spcPts val="0"/>
+              </a:spcBef>
+              <a:spcAft>
+                <a:spcPts val="800"/>
+              </a:spcAft>
+              <a:buFont typeface="Arial" panose="020B0604020202020204" pitchFamily="34" charset="0"/>
+              <a:buChar char="•"/>
+            </a:pPr>
+            <a:r>
+              <a:rPr lang="en-US" sz="1800" dirty="0">
+                <a:effectLst/>
+                <a:latin typeface="Times New Roman" panose="02020603050405020304" pitchFamily="18" charset="0"/>
+                <a:ea typeface="Calibri" panose="020F0502020204030204" pitchFamily="34" charset="0"/>
+                <a:cs typeface="Times New Roman" panose="02020603050405020304" pitchFamily="18" charset="0"/>
+              </a:rPr>
+              <a:t>Trainer Fee</a:t>
+            </a:r>
+          </a:p>
+          <a:p>
+            <a:pPr marL="285750" marR="0" indent="-285750">
+              <a:lnSpc>
+                <a:spcPct val="107000"/>
+              </a:lnSpc>
+              <a:spcBef>
+                <a:spcPts val="0"/>
+              </a:spcBef>
+              <a:spcAft>
+                <a:spcPts val="800"/>
+              </a:spcAft>
+              <a:buFont typeface="Arial" panose="020B0604020202020204" pitchFamily="34" charset="0"/>
+              <a:buChar char="•"/>
+            </a:pPr>
+            <a:r>
+              <a:rPr lang="en-US" sz="1800" dirty="0">
+                <a:effectLst/>
+                <a:latin typeface="Times New Roman" panose="02020603050405020304" pitchFamily="18" charset="0"/>
+                <a:ea typeface="Calibri" panose="020F0502020204030204" pitchFamily="34" charset="0"/>
+                <a:cs typeface="Times New Roman" panose="02020603050405020304" pitchFamily="18" charset="0"/>
+              </a:rPr>
+              <a:t>Online Spot Admission</a:t>
+            </a:r>
+          </a:p>
+          <a:p>
+            <a:pPr marL="285750" marR="0" indent="-285750">
+              <a:lnSpc>
+                <a:spcPct val="107000"/>
+              </a:lnSpc>
+              <a:spcBef>
+                <a:spcPts val="0"/>
+              </a:spcBef>
+              <a:spcAft>
+                <a:spcPts val="800"/>
+              </a:spcAft>
+              <a:buFont typeface="Arial" panose="020B0604020202020204" pitchFamily="34" charset="0"/>
+              <a:buChar char="•"/>
+            </a:pPr>
+            <a:r>
+              <a:rPr lang="en-US" sz="1800" dirty="0">
+                <a:effectLst/>
+                <a:latin typeface="Times New Roman" panose="02020603050405020304" pitchFamily="18" charset="0"/>
+                <a:ea typeface="Calibri" panose="020F0502020204030204" pitchFamily="34" charset="0"/>
+                <a:cs typeface="Times New Roman" panose="02020603050405020304" pitchFamily="18" charset="0"/>
+              </a:rPr>
+              <a:t>Agency Cost</a:t>
+            </a:r>
+          </a:p>
+          <a:p>
+            <a:pPr marL="285750" marR="0" indent="-285750">
+              <a:lnSpc>
+                <a:spcPct val="107000"/>
+              </a:lnSpc>
+              <a:spcBef>
+                <a:spcPts val="0"/>
+              </a:spcBef>
+              <a:spcAft>
+                <a:spcPts val="800"/>
+              </a:spcAft>
+              <a:buFont typeface="Arial" panose="020B0604020202020204" pitchFamily="34" charset="0"/>
+              <a:buChar char="•"/>
+            </a:pPr>
+            <a:r>
+              <a:rPr lang="en-US" sz="1800" dirty="0">
+                <a:effectLst/>
+                <a:latin typeface="Times New Roman" panose="02020603050405020304" pitchFamily="18" charset="0"/>
+                <a:ea typeface="Calibri" panose="020F0502020204030204" pitchFamily="34" charset="0"/>
+                <a:cs typeface="Times New Roman" panose="02020603050405020304" pitchFamily="18" charset="0"/>
+              </a:rPr>
+              <a:t>Visa Processing</a:t>
+            </a:r>
+          </a:p>
+          <a:p>
+            <a:pPr marL="285750" marR="0" indent="-285750">
+              <a:lnSpc>
+                <a:spcPct val="107000"/>
+              </a:lnSpc>
+              <a:spcBef>
+                <a:spcPts val="0"/>
+              </a:spcBef>
+              <a:spcAft>
+                <a:spcPts val="800"/>
+              </a:spcAft>
+              <a:buFont typeface="Arial" panose="020B0604020202020204" pitchFamily="34" charset="0"/>
+              <a:buChar char="•"/>
+            </a:pPr>
+            <a:r>
+              <a:rPr lang="en-US" sz="1800" dirty="0">
+                <a:effectLst/>
+                <a:latin typeface="Times New Roman" panose="02020603050405020304" pitchFamily="18" charset="0"/>
+                <a:ea typeface="Calibri" panose="020F0502020204030204" pitchFamily="34" charset="0"/>
+                <a:cs typeface="Times New Roman" panose="02020603050405020304" pitchFamily="18" charset="0"/>
+              </a:rPr>
+              <a:t>Class Equipment’s</a:t>
+            </a:r>
+          </a:p>
+          <a:p>
+            <a:pPr marL="285750" marR="0" indent="-285750">
+              <a:lnSpc>
+                <a:spcPct val="107000"/>
+              </a:lnSpc>
+              <a:spcBef>
+                <a:spcPts val="0"/>
+              </a:spcBef>
+              <a:spcAft>
+                <a:spcPts val="800"/>
+              </a:spcAft>
+              <a:buFont typeface="Arial" panose="020B0604020202020204" pitchFamily="34" charset="0"/>
+              <a:buChar char="•"/>
+            </a:pPr>
+            <a:r>
+              <a:rPr lang="en-US" sz="1800" dirty="0">
+                <a:effectLst/>
+                <a:latin typeface="Times New Roman" panose="02020603050405020304" pitchFamily="18" charset="0"/>
+                <a:ea typeface="Calibri" panose="020F0502020204030204" pitchFamily="34" charset="0"/>
+                <a:cs typeface="Times New Roman" panose="02020603050405020304" pitchFamily="18" charset="0"/>
+              </a:rPr>
+              <a:t>Job Placement</a:t>
+            </a:r>
+            <a:endParaRPr lang="en-US" dirty="0">
+              <a:latin typeface="Times New Roman" panose="02020603050405020304" pitchFamily="18" charset="0"/>
+              <a:cs typeface="Times New Roman" panose="02020603050405020304" pitchFamily="18" charset="0"/>
+            </a:endParaRPr>
+          </a:p>
+        </p:txBody>
+      </p:sp>
+    </p:spTree>
+    <p:extLst>
+      <p:ext uri="{BB962C8B-B14F-4D97-AF65-F5344CB8AC3E}">
+        <p14:creationId xmlns:p14="http://schemas.microsoft.com/office/powerpoint/2010/main" val="3004263549"/>
+      </p:ext>
+    </p:extLst>
+  </p:cSld>
+  <p:clrMapOvr>
+    <a:masterClrMapping/>
+  </p:clrMapOvr>
+</p:sld>
+</file>
+
+<file path=ppt/slides/slide13.xml><?xml version="1.0" encoding="utf-8"?>
+<p:sld xmlns:a="http://schemas.openxmlformats.org/drawingml/2006/main" xmlns:r="http://schemas.openxmlformats.org/officeDocument/2006/relationships" xmlns:p="http://schemas.openxmlformats.org/presentationml/2006/main">
+  <p:cSld>
+    <p:spTree>
+      <p:nvGrpSpPr>
+        <p:cNvPr id="1" name=""/>
+        <p:cNvGrpSpPr/>
+        <p:nvPr/>
+      </p:nvGrpSpPr>
+      <p:grpSpPr>
+        <a:xfrm>
+          <a:off x="0" y="0"/>
+          <a:ext cx="0" cy="0"/>
+          <a:chOff x="0" y="0"/>
+          <a:chExt cx="0" cy="0"/>
+        </a:xfrm>
+      </p:grpSpPr>
+      <p:sp>
+        <p:nvSpPr>
+          <p:cNvPr id="4" name="Title 3">
+            <a:extLst>
+              <a:ext uri="{FF2B5EF4-FFF2-40B4-BE49-F238E27FC236}">
+                <a16:creationId xmlns:a16="http://schemas.microsoft.com/office/drawing/2014/main" id="{02B8D7FB-53CB-4194-917E-FF81A99F0A99}"/>
+              </a:ext>
+            </a:extLst>
+          </p:cNvPr>
+          <p:cNvSpPr>
+            <a:spLocks noGrp="1"/>
+          </p:cNvSpPr>
+          <p:nvPr>
+            <p:ph type="title"/>
+          </p:nvPr>
+        </p:nvSpPr>
+        <p:spPr>
+          <a:xfrm>
             <a:off x="1308295" y="196313"/>
             <a:ext cx="9608234" cy="732155"/>
           </a:xfrm>
@@ -10820,7 +11329,7 @@
 </p:sld>
 </file>
 
-<file path=ppt/slides/slide13.xml><?xml version="1.0" encoding="utf-8"?>
+<file path=ppt/slides/slide14.xml><?xml version="1.0" encoding="utf-8"?>
 <p:sld xmlns:a="http://schemas.openxmlformats.org/drawingml/2006/main" xmlns:r="http://schemas.openxmlformats.org/officeDocument/2006/relationships" xmlns:p="http://schemas.openxmlformats.org/presentationml/2006/main">
   <p:cSld>
     <p:spTree>
@@ -11343,7 +11852,7 @@
 </p:sld>
 </file>
 
-<file path=ppt/slides/slide14.xml><?xml version="1.0" encoding="utf-8"?>
+<file path=ppt/slides/slide15.xml><?xml version="1.0" encoding="utf-8"?>
 <p:sld xmlns:a="http://schemas.openxmlformats.org/drawingml/2006/main" xmlns:r="http://schemas.openxmlformats.org/officeDocument/2006/relationships" xmlns:p="http://schemas.openxmlformats.org/presentationml/2006/main">
   <p:cSld>
     <p:spTree>
@@ -11595,7 +12104,7 @@
 </p:sld>
 </file>
 
-<file path=ppt/slides/slide15.xml><?xml version="1.0" encoding="utf-8"?>
+<file path=ppt/slides/slide16.xml><?xml version="1.0" encoding="utf-8"?>
 <p:sld xmlns:a="http://schemas.openxmlformats.org/drawingml/2006/main" xmlns:r="http://schemas.openxmlformats.org/officeDocument/2006/relationships" xmlns:p="http://schemas.openxmlformats.org/presentationml/2006/main">
   <p:cSld>
     <p:spTree>
@@ -12148,7 +12657,7 @@
 </p:sld>
 </file>
 
-<file path=ppt/slides/slide16.xml><?xml version="1.0" encoding="utf-8"?>
+<file path=ppt/slides/slide17.xml><?xml version="1.0" encoding="utf-8"?>
 <p:sld xmlns:a="http://schemas.openxmlformats.org/drawingml/2006/main" xmlns:r="http://schemas.openxmlformats.org/officeDocument/2006/relationships" xmlns:p="http://schemas.openxmlformats.org/presentationml/2006/main">
   <p:cSld>
     <p:spTree>
@@ -14570,7 +15079,7 @@
 </p:sld>
 </file>
 
-<file path=ppt/slides/slide17.xml><?xml version="1.0" encoding="utf-8"?>
+<file path=ppt/slides/slide18.xml><?xml version="1.0" encoding="utf-8"?>
 <p:sld xmlns:a="http://schemas.openxmlformats.org/drawingml/2006/main" xmlns:r="http://schemas.openxmlformats.org/officeDocument/2006/relationships" xmlns:p="http://schemas.openxmlformats.org/presentationml/2006/main">
   <p:cSld>
     <p:spTree>
@@ -15048,7 +15557,7 @@
 </p:sld>
 </file>
 
-<file path=ppt/slides/slide18.xml><?xml version="1.0" encoding="utf-8"?>
+<file path=ppt/slides/slide19.xml><?xml version="1.0" encoding="utf-8"?>
 <p:sld xmlns:a="http://schemas.openxmlformats.org/drawingml/2006/main" xmlns:r="http://schemas.openxmlformats.org/officeDocument/2006/relationships" xmlns:p="http://schemas.openxmlformats.org/presentationml/2006/main">
   <p:cSld>
     <p:spTree>
@@ -16216,7 +16725,433 @@
 </p:sld>
 </file>
 
-<file path=ppt/slides/slide19.xml><?xml version="1.0" encoding="utf-8"?>
+<file path=ppt/slides/slide2.xml><?xml version="1.0" encoding="utf-8"?>
+<p:sld xmlns:a="http://schemas.openxmlformats.org/drawingml/2006/main" xmlns:r="http://schemas.openxmlformats.org/officeDocument/2006/relationships" xmlns:p="http://schemas.openxmlformats.org/presentationml/2006/main">
+  <p:cSld>
+    <p:spTree>
+      <p:nvGrpSpPr>
+        <p:cNvPr id="1" name=""/>
+        <p:cNvGrpSpPr/>
+        <p:nvPr/>
+      </p:nvGrpSpPr>
+      <p:grpSpPr>
+        <a:xfrm>
+          <a:off x="0" y="0"/>
+          <a:ext cx="0" cy="0"/>
+          <a:chOff x="0" y="0"/>
+          <a:chExt cx="0" cy="0"/>
+        </a:xfrm>
+      </p:grpSpPr>
+      <p:sp>
+        <p:nvSpPr>
+          <p:cNvPr id="4" name="Title 3">
+            <a:extLst>
+              <a:ext uri="{FF2B5EF4-FFF2-40B4-BE49-F238E27FC236}">
+                <a16:creationId xmlns:a16="http://schemas.microsoft.com/office/drawing/2014/main" id="{02B8D7FB-53CB-4194-917E-FF81A99F0A99}"/>
+              </a:ext>
+            </a:extLst>
+          </p:cNvPr>
+          <p:cNvSpPr>
+            <a:spLocks noGrp="1"/>
+          </p:cNvSpPr>
+          <p:nvPr>
+            <p:ph type="title"/>
+          </p:nvPr>
+        </p:nvSpPr>
+        <p:spPr>
+          <a:xfrm>
+            <a:off x="3344593" y="180933"/>
+            <a:ext cx="5430130" cy="732155"/>
+          </a:xfrm>
+        </p:spPr>
+        <p:txBody>
+          <a:bodyPr>
+            <a:normAutofit/>
+          </a:bodyPr>
+          <a:lstStyle/>
+          <a:p>
+            <a:pPr algn="ctr"/>
+            <a:r>
+              <a:rPr lang="en-US" dirty="0">
+                <a:latin typeface="Times New Roman" panose="02020603050405020304" pitchFamily="18" charset="0"/>
+                <a:cs typeface="Times New Roman" panose="02020603050405020304" pitchFamily="18" charset="0"/>
+              </a:rPr>
+              <a:t>Institutional Facilities</a:t>
+            </a:r>
+          </a:p>
+        </p:txBody>
+      </p:sp>
+      <p:sp>
+        <p:nvSpPr>
+          <p:cNvPr id="5" name="Content Placeholder 4">
+            <a:extLst>
+              <a:ext uri="{FF2B5EF4-FFF2-40B4-BE49-F238E27FC236}">
+                <a16:creationId xmlns:a16="http://schemas.microsoft.com/office/drawing/2014/main" id="{562D026D-01A8-4E80-B44B-A62E01391E39}"/>
+              </a:ext>
+            </a:extLst>
+          </p:cNvPr>
+          <p:cNvSpPr>
+            <a:spLocks noGrp="1"/>
+          </p:cNvSpPr>
+          <p:nvPr>
+            <p:ph idx="1"/>
+          </p:nvPr>
+        </p:nvSpPr>
+        <p:spPr>
+          <a:xfrm>
+            <a:off x="520505" y="943846"/>
+            <a:ext cx="5767753" cy="1841558"/>
+          </a:xfrm>
+        </p:spPr>
+        <p:txBody>
+          <a:bodyPr>
+            <a:normAutofit fontScale="77500" lnSpcReduction="20000"/>
+          </a:bodyPr>
+          <a:lstStyle/>
+          <a:p>
+            <a:pPr marL="0" marR="0" lvl="0" indent="0" algn="just">
+              <a:lnSpc>
+                <a:spcPct val="107000"/>
+              </a:lnSpc>
+              <a:spcBef>
+                <a:spcPts val="0"/>
+              </a:spcBef>
+              <a:spcAft>
+                <a:spcPts val="0"/>
+              </a:spcAft>
+              <a:buNone/>
+            </a:pPr>
+            <a:r>
+              <a:rPr lang="en-US" sz="2600" b="1" dirty="0">
+                <a:effectLst/>
+                <a:latin typeface="Times New Roman" panose="02020603050405020304" pitchFamily="18" charset="0"/>
+                <a:ea typeface="Calibri" panose="020F0502020204030204" pitchFamily="34" charset="0"/>
+              </a:rPr>
+              <a:t>Job Related Facilities:</a:t>
+            </a:r>
+            <a:endParaRPr lang="en-US" sz="2600" dirty="0">
+              <a:effectLst/>
+              <a:latin typeface="Times New Roman" panose="02020603050405020304" pitchFamily="18" charset="0"/>
+              <a:ea typeface="Calibri" panose="020F0502020204030204" pitchFamily="34" charset="0"/>
+              <a:cs typeface="Times New Roman" panose="02020603050405020304" pitchFamily="18" charset="0"/>
+            </a:endParaRPr>
+          </a:p>
+          <a:p>
+            <a:pPr marL="800100" lvl="1" indent="-342900" algn="just">
+              <a:lnSpc>
+                <a:spcPct val="107000"/>
+              </a:lnSpc>
+              <a:spcBef>
+                <a:spcPts val="0"/>
+              </a:spcBef>
+              <a:buFont typeface="Symbol" panose="05050102010706020507" pitchFamily="18" charset="2"/>
+              <a:buChar char=""/>
+            </a:pPr>
+            <a:r>
+              <a:rPr lang="en-US" sz="2300" dirty="0">
+                <a:effectLst/>
+                <a:latin typeface="Times New Roman" panose="02020603050405020304" pitchFamily="18" charset="0"/>
+                <a:ea typeface="Calibri" panose="020F0502020204030204" pitchFamily="34" charset="0"/>
+                <a:cs typeface="Times New Roman" panose="02020603050405020304" pitchFamily="18" charset="0"/>
+              </a:rPr>
+              <a:t>International Standard</a:t>
+            </a:r>
+            <a:endParaRPr lang="en-US" sz="2300" dirty="0">
+              <a:effectLst/>
+              <a:latin typeface="Calibri" panose="020F0502020204030204" pitchFamily="34" charset="0"/>
+              <a:ea typeface="Calibri" panose="020F0502020204030204" pitchFamily="34" charset="0"/>
+              <a:cs typeface="Times New Roman" panose="02020603050405020304" pitchFamily="18" charset="0"/>
+            </a:endParaRPr>
+          </a:p>
+          <a:p>
+            <a:pPr marL="800100" lvl="1" indent="-342900" algn="just">
+              <a:lnSpc>
+                <a:spcPct val="107000"/>
+              </a:lnSpc>
+              <a:spcBef>
+                <a:spcPts val="0"/>
+              </a:spcBef>
+              <a:buFont typeface="Symbol" panose="05050102010706020507" pitchFamily="18" charset="2"/>
+              <a:buChar char=""/>
+            </a:pPr>
+            <a:r>
+              <a:rPr lang="en-US" sz="2300" dirty="0">
+                <a:effectLst/>
+                <a:latin typeface="Times New Roman" panose="02020603050405020304" pitchFamily="18" charset="0"/>
+                <a:ea typeface="Calibri" panose="020F0502020204030204" pitchFamily="34" charset="0"/>
+                <a:cs typeface="Times New Roman" panose="02020603050405020304" pitchFamily="18" charset="0"/>
+              </a:rPr>
+              <a:t>Online and Offline Training in different trades</a:t>
+            </a:r>
+            <a:endParaRPr lang="en-US" sz="2300" dirty="0">
+              <a:effectLst/>
+              <a:latin typeface="Calibri" panose="020F0502020204030204" pitchFamily="34" charset="0"/>
+              <a:ea typeface="Calibri" panose="020F0502020204030204" pitchFamily="34" charset="0"/>
+              <a:cs typeface="Times New Roman" panose="02020603050405020304" pitchFamily="18" charset="0"/>
+            </a:endParaRPr>
+          </a:p>
+          <a:p>
+            <a:pPr marL="800100" lvl="1" indent="-342900" algn="just">
+              <a:lnSpc>
+                <a:spcPct val="107000"/>
+              </a:lnSpc>
+              <a:spcBef>
+                <a:spcPts val="0"/>
+              </a:spcBef>
+              <a:buFont typeface="Symbol" panose="05050102010706020507" pitchFamily="18" charset="2"/>
+              <a:buChar char=""/>
+            </a:pPr>
+            <a:r>
+              <a:rPr lang="en-US" sz="2300" dirty="0">
+                <a:effectLst/>
+                <a:latin typeface="Times New Roman" panose="02020603050405020304" pitchFamily="18" charset="0"/>
+                <a:ea typeface="Calibri" panose="020F0502020204030204" pitchFamily="34" charset="0"/>
+                <a:cs typeface="Times New Roman" panose="02020603050405020304" pitchFamily="18" charset="0"/>
+              </a:rPr>
+              <a:t>Accommodation Facilities</a:t>
+            </a:r>
+            <a:endParaRPr lang="en-US" sz="2300" dirty="0">
+              <a:effectLst/>
+              <a:latin typeface="Calibri" panose="020F0502020204030204" pitchFamily="34" charset="0"/>
+              <a:ea typeface="Calibri" panose="020F0502020204030204" pitchFamily="34" charset="0"/>
+              <a:cs typeface="Times New Roman" panose="02020603050405020304" pitchFamily="18" charset="0"/>
+            </a:endParaRPr>
+          </a:p>
+          <a:p>
+            <a:pPr marL="800100" lvl="1" indent="-342900" algn="just">
+              <a:lnSpc>
+                <a:spcPct val="107000"/>
+              </a:lnSpc>
+              <a:spcBef>
+                <a:spcPts val="0"/>
+              </a:spcBef>
+              <a:buFont typeface="Symbol" panose="05050102010706020507" pitchFamily="18" charset="2"/>
+              <a:buChar char=""/>
+            </a:pPr>
+            <a:r>
+              <a:rPr lang="en-US" sz="2300" dirty="0">
+                <a:effectLst/>
+                <a:latin typeface="Times New Roman" panose="02020603050405020304" pitchFamily="18" charset="0"/>
+                <a:ea typeface="Calibri" panose="020F0502020204030204" pitchFamily="34" charset="0"/>
+                <a:cs typeface="Times New Roman" panose="02020603050405020304" pitchFamily="18" charset="0"/>
+              </a:rPr>
+              <a:t>On-spot Recruitment from International Buyers</a:t>
+            </a:r>
+          </a:p>
+          <a:p>
+            <a:pPr marL="800100" lvl="1" indent="-342900" algn="just">
+              <a:lnSpc>
+                <a:spcPct val="107000"/>
+              </a:lnSpc>
+              <a:spcBef>
+                <a:spcPts val="0"/>
+              </a:spcBef>
+              <a:buFont typeface="Symbol" panose="05050102010706020507" pitchFamily="18" charset="2"/>
+              <a:buChar char=""/>
+            </a:pPr>
+            <a:r>
+              <a:rPr lang="en-US" sz="2300" dirty="0">
+                <a:effectLst/>
+                <a:latin typeface="Times New Roman" panose="02020603050405020304" pitchFamily="18" charset="0"/>
+                <a:ea typeface="Calibri" panose="020F0502020204030204" pitchFamily="34" charset="0"/>
+                <a:cs typeface="Times New Roman" panose="02020603050405020304" pitchFamily="18" charset="0"/>
+              </a:rPr>
+              <a:t>Visa Support, Ticketing, Dress and other Facilities</a:t>
+            </a:r>
+          </a:p>
+          <a:p>
+            <a:pPr marL="800100" lvl="1" indent="-342900" algn="just">
+              <a:lnSpc>
+                <a:spcPct val="107000"/>
+              </a:lnSpc>
+              <a:spcBef>
+                <a:spcPts val="0"/>
+              </a:spcBef>
+              <a:spcAft>
+                <a:spcPts val="800"/>
+              </a:spcAft>
+              <a:buFont typeface="Symbol" panose="05050102010706020507" pitchFamily="18" charset="2"/>
+              <a:buChar char=""/>
+            </a:pPr>
+            <a:r>
+              <a:rPr lang="en-US" sz="2300" dirty="0">
+                <a:effectLst/>
+                <a:latin typeface="Times New Roman" panose="02020603050405020304" pitchFamily="18" charset="0"/>
+                <a:ea typeface="Calibri" panose="020F0502020204030204" pitchFamily="34" charset="0"/>
+              </a:rPr>
+              <a:t>Direct Job Placement</a:t>
+            </a:r>
+            <a:endParaRPr lang="en-US" sz="2300" dirty="0"/>
+          </a:p>
+        </p:txBody>
+      </p:sp>
+      <p:pic>
+        <p:nvPicPr>
+          <p:cNvPr id="7" name="Picture 6">
+            <a:extLst>
+              <a:ext uri="{FF2B5EF4-FFF2-40B4-BE49-F238E27FC236}">
+                <a16:creationId xmlns:a16="http://schemas.microsoft.com/office/drawing/2014/main" id="{B3D0025F-C33C-4143-886E-1E82C2EEC197}"/>
+              </a:ext>
+            </a:extLst>
+          </p:cNvPr>
+          <p:cNvPicPr>
+            <a:picLocks noChangeAspect="1"/>
+          </p:cNvPicPr>
+          <p:nvPr/>
+        </p:nvPicPr>
+        <p:blipFill>
+          <a:blip r:embed="rId2">
+            <a:extLst>
+              <a:ext uri="{28A0092B-C50C-407E-A947-70E740481C1C}">
+                <a14:useLocalDpi xmlns:a14="http://schemas.microsoft.com/office/drawing/2010/main" val="0"/>
+              </a:ext>
+            </a:extLst>
+          </a:blip>
+          <a:stretch>
+            <a:fillRect/>
+          </a:stretch>
+        </p:blipFill>
+        <p:spPr>
+          <a:xfrm>
+            <a:off x="520505" y="6176962"/>
+            <a:ext cx="2328348" cy="681038"/>
+          </a:xfrm>
+          <a:prstGeom prst="rect">
+            <a:avLst/>
+          </a:prstGeom>
+        </p:spPr>
+      </p:pic>
+      <p:sp>
+        <p:nvSpPr>
+          <p:cNvPr id="9" name="TextBox 8">
+            <a:extLst>
+              <a:ext uri="{FF2B5EF4-FFF2-40B4-BE49-F238E27FC236}">
+                <a16:creationId xmlns:a16="http://schemas.microsoft.com/office/drawing/2014/main" id="{48F2175B-8860-4A11-921D-E6F4CCC55E91}"/>
+              </a:ext>
+            </a:extLst>
+          </p:cNvPr>
+          <p:cNvSpPr txBox="1"/>
+          <p:nvPr/>
+        </p:nvSpPr>
+        <p:spPr>
+          <a:xfrm>
+            <a:off x="8774723" y="6317426"/>
+            <a:ext cx="2929597" cy="400110"/>
+          </a:xfrm>
+          <a:prstGeom prst="rect">
+            <a:avLst/>
+          </a:prstGeom>
+          <a:noFill/>
+        </p:spPr>
+        <p:txBody>
+          <a:bodyPr wrap="square">
+            <a:spAutoFit/>
+          </a:bodyPr>
+          <a:lstStyle/>
+          <a:p>
+            <a:r>
+              <a:rPr lang="en-US" sz="2000" b="1" dirty="0">
+                <a:solidFill>
+                  <a:srgbClr val="0070C0"/>
+                </a:solidFill>
+                <a:latin typeface="Times New Roman" panose="02020603050405020304" pitchFamily="18" charset="0"/>
+                <a:cs typeface="Times New Roman" panose="02020603050405020304" pitchFamily="18" charset="0"/>
+              </a:rPr>
+              <a:t>https://www.baira.org.bd</a:t>
+            </a:r>
+          </a:p>
+        </p:txBody>
+      </p:sp>
+      <p:pic>
+        <p:nvPicPr>
+          <p:cNvPr id="6" name="Picture 5">
+            <a:extLst>
+              <a:ext uri="{FF2B5EF4-FFF2-40B4-BE49-F238E27FC236}">
+                <a16:creationId xmlns:a16="http://schemas.microsoft.com/office/drawing/2014/main" id="{0FF6B84D-D2D9-4507-886A-94C6037F9B96}"/>
+              </a:ext>
+            </a:extLst>
+          </p:cNvPr>
+          <p:cNvPicPr>
+            <a:picLocks noChangeAspect="1"/>
+          </p:cNvPicPr>
+          <p:nvPr/>
+        </p:nvPicPr>
+        <p:blipFill>
+          <a:blip r:embed="rId3">
+            <a:extLst>
+              <a:ext uri="{28A0092B-C50C-407E-A947-70E740481C1C}">
+                <a14:useLocalDpi xmlns:a14="http://schemas.microsoft.com/office/drawing/2010/main" val="0"/>
+              </a:ext>
+            </a:extLst>
+          </a:blip>
+          <a:srcRect/>
+          <a:stretch/>
+        </p:blipFill>
+        <p:spPr>
+          <a:xfrm>
+            <a:off x="5425174" y="2581422"/>
+            <a:ext cx="6246321" cy="3686980"/>
+          </a:xfrm>
+          <a:prstGeom prst="rect">
+            <a:avLst/>
+          </a:prstGeom>
+        </p:spPr>
+      </p:pic>
+      <p:sp>
+        <p:nvSpPr>
+          <p:cNvPr id="2" name="TextBox 1">
+            <a:extLst>
+              <a:ext uri="{FF2B5EF4-FFF2-40B4-BE49-F238E27FC236}">
+                <a16:creationId xmlns:a16="http://schemas.microsoft.com/office/drawing/2014/main" id="{05279C0D-E35D-4A4E-998B-68B48AA8D7F4}"/>
+              </a:ext>
+            </a:extLst>
+          </p:cNvPr>
+          <p:cNvSpPr txBox="1"/>
+          <p:nvPr/>
+        </p:nvSpPr>
+        <p:spPr>
+          <a:xfrm>
+            <a:off x="9903655" y="512978"/>
+            <a:ext cx="1800665" cy="400110"/>
+          </a:xfrm>
+          <a:prstGeom prst="rect">
+            <a:avLst/>
+          </a:prstGeom>
+          <a:noFill/>
+        </p:spPr>
+        <p:txBody>
+          <a:bodyPr wrap="square">
+            <a:spAutoFit/>
+          </a:bodyPr>
+          <a:lstStyle/>
+          <a:p>
+            <a:r>
+              <a:rPr lang="en-US" sz="2000" b="1" dirty="0">
+                <a:solidFill>
+                  <a:srgbClr val="C00000"/>
+                </a:solidFill>
+                <a:latin typeface="Times New Roman" panose="02020603050405020304" pitchFamily="18" charset="0"/>
+                <a:cs typeface="Times New Roman" panose="02020603050405020304" pitchFamily="18" charset="0"/>
+              </a:rPr>
+              <a:t>Continued.......</a:t>
+            </a:r>
+          </a:p>
+        </p:txBody>
+      </p:sp>
+    </p:spTree>
+    <p:extLst>
+      <p:ext uri="{BB962C8B-B14F-4D97-AF65-F5344CB8AC3E}">
+        <p14:creationId xmlns:p14="http://schemas.microsoft.com/office/powerpoint/2010/main" val="1745871692"/>
+      </p:ext>
+    </p:extLst>
+  </p:cSld>
+  <p:clrMapOvr>
+    <a:masterClrMapping/>
+  </p:clrMapOvr>
+</p:sld>
+</file>
+
+<file path=ppt/slides/slide20.xml><?xml version="1.0" encoding="utf-8"?>
 <p:sld xmlns:a="http://schemas.openxmlformats.org/drawingml/2006/main" xmlns:r="http://schemas.openxmlformats.org/officeDocument/2006/relationships" xmlns:p="http://schemas.openxmlformats.org/presentationml/2006/main">
   <p:cSld>
     <p:spTree>
@@ -16971,433 +17906,7 @@
 </p:sld>
 </file>
 
-<file path=ppt/slides/slide2.xml><?xml version="1.0" encoding="utf-8"?>
-<p:sld xmlns:a="http://schemas.openxmlformats.org/drawingml/2006/main" xmlns:r="http://schemas.openxmlformats.org/officeDocument/2006/relationships" xmlns:p="http://schemas.openxmlformats.org/presentationml/2006/main">
-  <p:cSld>
-    <p:spTree>
-      <p:nvGrpSpPr>
-        <p:cNvPr id="1" name=""/>
-        <p:cNvGrpSpPr/>
-        <p:nvPr/>
-      </p:nvGrpSpPr>
-      <p:grpSpPr>
-        <a:xfrm>
-          <a:off x="0" y="0"/>
-          <a:ext cx="0" cy="0"/>
-          <a:chOff x="0" y="0"/>
-          <a:chExt cx="0" cy="0"/>
-        </a:xfrm>
-      </p:grpSpPr>
-      <p:sp>
-        <p:nvSpPr>
-          <p:cNvPr id="4" name="Title 3">
-            <a:extLst>
-              <a:ext uri="{FF2B5EF4-FFF2-40B4-BE49-F238E27FC236}">
-                <a16:creationId xmlns:a16="http://schemas.microsoft.com/office/drawing/2014/main" id="{02B8D7FB-53CB-4194-917E-FF81A99F0A99}"/>
-              </a:ext>
-            </a:extLst>
-          </p:cNvPr>
-          <p:cNvSpPr>
-            <a:spLocks noGrp="1"/>
-          </p:cNvSpPr>
-          <p:nvPr>
-            <p:ph type="title"/>
-          </p:nvPr>
-        </p:nvSpPr>
-        <p:spPr>
-          <a:xfrm>
-            <a:off x="3344593" y="180933"/>
-            <a:ext cx="5430130" cy="732155"/>
-          </a:xfrm>
-        </p:spPr>
-        <p:txBody>
-          <a:bodyPr>
-            <a:normAutofit/>
-          </a:bodyPr>
-          <a:lstStyle/>
-          <a:p>
-            <a:pPr algn="ctr"/>
-            <a:r>
-              <a:rPr lang="en-US" dirty="0">
-                <a:latin typeface="Times New Roman" panose="02020603050405020304" pitchFamily="18" charset="0"/>
-                <a:cs typeface="Times New Roman" panose="02020603050405020304" pitchFamily="18" charset="0"/>
-              </a:rPr>
-              <a:t>Institutional Facilities</a:t>
-            </a:r>
-          </a:p>
-        </p:txBody>
-      </p:sp>
-      <p:sp>
-        <p:nvSpPr>
-          <p:cNvPr id="5" name="Content Placeholder 4">
-            <a:extLst>
-              <a:ext uri="{FF2B5EF4-FFF2-40B4-BE49-F238E27FC236}">
-                <a16:creationId xmlns:a16="http://schemas.microsoft.com/office/drawing/2014/main" id="{562D026D-01A8-4E80-B44B-A62E01391E39}"/>
-              </a:ext>
-            </a:extLst>
-          </p:cNvPr>
-          <p:cNvSpPr>
-            <a:spLocks noGrp="1"/>
-          </p:cNvSpPr>
-          <p:nvPr>
-            <p:ph idx="1"/>
-          </p:nvPr>
-        </p:nvSpPr>
-        <p:spPr>
-          <a:xfrm>
-            <a:off x="520505" y="943846"/>
-            <a:ext cx="5767753" cy="1841558"/>
-          </a:xfrm>
-        </p:spPr>
-        <p:txBody>
-          <a:bodyPr>
-            <a:normAutofit fontScale="77500" lnSpcReduction="20000"/>
-          </a:bodyPr>
-          <a:lstStyle/>
-          <a:p>
-            <a:pPr marL="0" marR="0" lvl="0" indent="0" algn="just">
-              <a:lnSpc>
-                <a:spcPct val="107000"/>
-              </a:lnSpc>
-              <a:spcBef>
-                <a:spcPts val="0"/>
-              </a:spcBef>
-              <a:spcAft>
-                <a:spcPts val="0"/>
-              </a:spcAft>
-              <a:buNone/>
-            </a:pPr>
-            <a:r>
-              <a:rPr lang="en-US" sz="2600" b="1" dirty="0">
-                <a:effectLst/>
-                <a:latin typeface="Times New Roman" panose="02020603050405020304" pitchFamily="18" charset="0"/>
-                <a:ea typeface="Calibri" panose="020F0502020204030204" pitchFamily="34" charset="0"/>
-              </a:rPr>
-              <a:t>Job Related Facilities:</a:t>
-            </a:r>
-            <a:endParaRPr lang="en-US" sz="2600" dirty="0">
-              <a:effectLst/>
-              <a:latin typeface="Times New Roman" panose="02020603050405020304" pitchFamily="18" charset="0"/>
-              <a:ea typeface="Calibri" panose="020F0502020204030204" pitchFamily="34" charset="0"/>
-              <a:cs typeface="Times New Roman" panose="02020603050405020304" pitchFamily="18" charset="0"/>
-            </a:endParaRPr>
-          </a:p>
-          <a:p>
-            <a:pPr marL="800100" lvl="1" indent="-342900" algn="just">
-              <a:lnSpc>
-                <a:spcPct val="107000"/>
-              </a:lnSpc>
-              <a:spcBef>
-                <a:spcPts val="0"/>
-              </a:spcBef>
-              <a:buFont typeface="Symbol" panose="05050102010706020507" pitchFamily="18" charset="2"/>
-              <a:buChar char=""/>
-            </a:pPr>
-            <a:r>
-              <a:rPr lang="en-US" sz="2300" dirty="0">
-                <a:effectLst/>
-                <a:latin typeface="Times New Roman" panose="02020603050405020304" pitchFamily="18" charset="0"/>
-                <a:ea typeface="Calibri" panose="020F0502020204030204" pitchFamily="34" charset="0"/>
-                <a:cs typeface="Times New Roman" panose="02020603050405020304" pitchFamily="18" charset="0"/>
-              </a:rPr>
-              <a:t>International Standard</a:t>
-            </a:r>
-            <a:endParaRPr lang="en-US" sz="2300" dirty="0">
-              <a:effectLst/>
-              <a:latin typeface="Calibri" panose="020F0502020204030204" pitchFamily="34" charset="0"/>
-              <a:ea typeface="Calibri" panose="020F0502020204030204" pitchFamily="34" charset="0"/>
-              <a:cs typeface="Times New Roman" panose="02020603050405020304" pitchFamily="18" charset="0"/>
-            </a:endParaRPr>
-          </a:p>
-          <a:p>
-            <a:pPr marL="800100" lvl="1" indent="-342900" algn="just">
-              <a:lnSpc>
-                <a:spcPct val="107000"/>
-              </a:lnSpc>
-              <a:spcBef>
-                <a:spcPts val="0"/>
-              </a:spcBef>
-              <a:buFont typeface="Symbol" panose="05050102010706020507" pitchFamily="18" charset="2"/>
-              <a:buChar char=""/>
-            </a:pPr>
-            <a:r>
-              <a:rPr lang="en-US" sz="2300" dirty="0">
-                <a:effectLst/>
-                <a:latin typeface="Times New Roman" panose="02020603050405020304" pitchFamily="18" charset="0"/>
-                <a:ea typeface="Calibri" panose="020F0502020204030204" pitchFamily="34" charset="0"/>
-                <a:cs typeface="Times New Roman" panose="02020603050405020304" pitchFamily="18" charset="0"/>
-              </a:rPr>
-              <a:t>Online and Offline Training in different trades</a:t>
-            </a:r>
-            <a:endParaRPr lang="en-US" sz="2300" dirty="0">
-              <a:effectLst/>
-              <a:latin typeface="Calibri" panose="020F0502020204030204" pitchFamily="34" charset="0"/>
-              <a:ea typeface="Calibri" panose="020F0502020204030204" pitchFamily="34" charset="0"/>
-              <a:cs typeface="Times New Roman" panose="02020603050405020304" pitchFamily="18" charset="0"/>
-            </a:endParaRPr>
-          </a:p>
-          <a:p>
-            <a:pPr marL="800100" lvl="1" indent="-342900" algn="just">
-              <a:lnSpc>
-                <a:spcPct val="107000"/>
-              </a:lnSpc>
-              <a:spcBef>
-                <a:spcPts val="0"/>
-              </a:spcBef>
-              <a:buFont typeface="Symbol" panose="05050102010706020507" pitchFamily="18" charset="2"/>
-              <a:buChar char=""/>
-            </a:pPr>
-            <a:r>
-              <a:rPr lang="en-US" sz="2300" dirty="0">
-                <a:effectLst/>
-                <a:latin typeface="Times New Roman" panose="02020603050405020304" pitchFamily="18" charset="0"/>
-                <a:ea typeface="Calibri" panose="020F0502020204030204" pitchFamily="34" charset="0"/>
-                <a:cs typeface="Times New Roman" panose="02020603050405020304" pitchFamily="18" charset="0"/>
-              </a:rPr>
-              <a:t>Accommodation Facilities</a:t>
-            </a:r>
-            <a:endParaRPr lang="en-US" sz="2300" dirty="0">
-              <a:effectLst/>
-              <a:latin typeface="Calibri" panose="020F0502020204030204" pitchFamily="34" charset="0"/>
-              <a:ea typeface="Calibri" panose="020F0502020204030204" pitchFamily="34" charset="0"/>
-              <a:cs typeface="Times New Roman" panose="02020603050405020304" pitchFamily="18" charset="0"/>
-            </a:endParaRPr>
-          </a:p>
-          <a:p>
-            <a:pPr marL="800100" lvl="1" indent="-342900" algn="just">
-              <a:lnSpc>
-                <a:spcPct val="107000"/>
-              </a:lnSpc>
-              <a:spcBef>
-                <a:spcPts val="0"/>
-              </a:spcBef>
-              <a:buFont typeface="Symbol" panose="05050102010706020507" pitchFamily="18" charset="2"/>
-              <a:buChar char=""/>
-            </a:pPr>
-            <a:r>
-              <a:rPr lang="en-US" sz="2300" dirty="0">
-                <a:effectLst/>
-                <a:latin typeface="Times New Roman" panose="02020603050405020304" pitchFamily="18" charset="0"/>
-                <a:ea typeface="Calibri" panose="020F0502020204030204" pitchFamily="34" charset="0"/>
-                <a:cs typeface="Times New Roman" panose="02020603050405020304" pitchFamily="18" charset="0"/>
-              </a:rPr>
-              <a:t>On-spot Recruitment from International Buyers</a:t>
-            </a:r>
-          </a:p>
-          <a:p>
-            <a:pPr marL="800100" lvl="1" indent="-342900" algn="just">
-              <a:lnSpc>
-                <a:spcPct val="107000"/>
-              </a:lnSpc>
-              <a:spcBef>
-                <a:spcPts val="0"/>
-              </a:spcBef>
-              <a:buFont typeface="Symbol" panose="05050102010706020507" pitchFamily="18" charset="2"/>
-              <a:buChar char=""/>
-            </a:pPr>
-            <a:r>
-              <a:rPr lang="en-US" sz="2300" dirty="0">
-                <a:effectLst/>
-                <a:latin typeface="Times New Roman" panose="02020603050405020304" pitchFamily="18" charset="0"/>
-                <a:ea typeface="Calibri" panose="020F0502020204030204" pitchFamily="34" charset="0"/>
-                <a:cs typeface="Times New Roman" panose="02020603050405020304" pitchFamily="18" charset="0"/>
-              </a:rPr>
-              <a:t>Visa Support, Ticketing, Dress and other Facilities</a:t>
-            </a:r>
-          </a:p>
-          <a:p>
-            <a:pPr marL="800100" lvl="1" indent="-342900" algn="just">
-              <a:lnSpc>
-                <a:spcPct val="107000"/>
-              </a:lnSpc>
-              <a:spcBef>
-                <a:spcPts val="0"/>
-              </a:spcBef>
-              <a:spcAft>
-                <a:spcPts val="800"/>
-              </a:spcAft>
-              <a:buFont typeface="Symbol" panose="05050102010706020507" pitchFamily="18" charset="2"/>
-              <a:buChar char=""/>
-            </a:pPr>
-            <a:r>
-              <a:rPr lang="en-US" sz="2300" dirty="0">
-                <a:effectLst/>
-                <a:latin typeface="Times New Roman" panose="02020603050405020304" pitchFamily="18" charset="0"/>
-                <a:ea typeface="Calibri" panose="020F0502020204030204" pitchFamily="34" charset="0"/>
-              </a:rPr>
-              <a:t>Direct Job Placement</a:t>
-            </a:r>
-            <a:endParaRPr lang="en-US" sz="2300" dirty="0"/>
-          </a:p>
-        </p:txBody>
-      </p:sp>
-      <p:pic>
-        <p:nvPicPr>
-          <p:cNvPr id="7" name="Picture 6">
-            <a:extLst>
-              <a:ext uri="{FF2B5EF4-FFF2-40B4-BE49-F238E27FC236}">
-                <a16:creationId xmlns:a16="http://schemas.microsoft.com/office/drawing/2014/main" id="{B3D0025F-C33C-4143-886E-1E82C2EEC197}"/>
-              </a:ext>
-            </a:extLst>
-          </p:cNvPr>
-          <p:cNvPicPr>
-            <a:picLocks noChangeAspect="1"/>
-          </p:cNvPicPr>
-          <p:nvPr/>
-        </p:nvPicPr>
-        <p:blipFill>
-          <a:blip r:embed="rId2">
-            <a:extLst>
-              <a:ext uri="{28A0092B-C50C-407E-A947-70E740481C1C}">
-                <a14:useLocalDpi xmlns:a14="http://schemas.microsoft.com/office/drawing/2010/main" val="0"/>
-              </a:ext>
-            </a:extLst>
-          </a:blip>
-          <a:stretch>
-            <a:fillRect/>
-          </a:stretch>
-        </p:blipFill>
-        <p:spPr>
-          <a:xfrm>
-            <a:off x="520505" y="6176962"/>
-            <a:ext cx="2328348" cy="681038"/>
-          </a:xfrm>
-          <a:prstGeom prst="rect">
-            <a:avLst/>
-          </a:prstGeom>
-        </p:spPr>
-      </p:pic>
-      <p:sp>
-        <p:nvSpPr>
-          <p:cNvPr id="9" name="TextBox 8">
-            <a:extLst>
-              <a:ext uri="{FF2B5EF4-FFF2-40B4-BE49-F238E27FC236}">
-                <a16:creationId xmlns:a16="http://schemas.microsoft.com/office/drawing/2014/main" id="{48F2175B-8860-4A11-921D-E6F4CCC55E91}"/>
-              </a:ext>
-            </a:extLst>
-          </p:cNvPr>
-          <p:cNvSpPr txBox="1"/>
-          <p:nvPr/>
-        </p:nvSpPr>
-        <p:spPr>
-          <a:xfrm>
-            <a:off x="8774723" y="6317426"/>
-            <a:ext cx="2929597" cy="400110"/>
-          </a:xfrm>
-          <a:prstGeom prst="rect">
-            <a:avLst/>
-          </a:prstGeom>
-          <a:noFill/>
-        </p:spPr>
-        <p:txBody>
-          <a:bodyPr wrap="square">
-            <a:spAutoFit/>
-          </a:bodyPr>
-          <a:lstStyle/>
-          <a:p>
-            <a:r>
-              <a:rPr lang="en-US" sz="2000" b="1" dirty="0">
-                <a:solidFill>
-                  <a:srgbClr val="0070C0"/>
-                </a:solidFill>
-                <a:latin typeface="Times New Roman" panose="02020603050405020304" pitchFamily="18" charset="0"/>
-                <a:cs typeface="Times New Roman" panose="02020603050405020304" pitchFamily="18" charset="0"/>
-              </a:rPr>
-              <a:t>https://www.baira.org.bd</a:t>
-            </a:r>
-          </a:p>
-        </p:txBody>
-      </p:sp>
-      <p:pic>
-        <p:nvPicPr>
-          <p:cNvPr id="6" name="Picture 5">
-            <a:extLst>
-              <a:ext uri="{FF2B5EF4-FFF2-40B4-BE49-F238E27FC236}">
-                <a16:creationId xmlns:a16="http://schemas.microsoft.com/office/drawing/2014/main" id="{0FF6B84D-D2D9-4507-886A-94C6037F9B96}"/>
-              </a:ext>
-            </a:extLst>
-          </p:cNvPr>
-          <p:cNvPicPr>
-            <a:picLocks noChangeAspect="1"/>
-          </p:cNvPicPr>
-          <p:nvPr/>
-        </p:nvPicPr>
-        <p:blipFill>
-          <a:blip r:embed="rId3">
-            <a:extLst>
-              <a:ext uri="{28A0092B-C50C-407E-A947-70E740481C1C}">
-                <a14:useLocalDpi xmlns:a14="http://schemas.microsoft.com/office/drawing/2010/main" val="0"/>
-              </a:ext>
-            </a:extLst>
-          </a:blip>
-          <a:srcRect/>
-          <a:stretch/>
-        </p:blipFill>
-        <p:spPr>
-          <a:xfrm>
-            <a:off x="5425174" y="2581422"/>
-            <a:ext cx="6246321" cy="3686980"/>
-          </a:xfrm>
-          <a:prstGeom prst="rect">
-            <a:avLst/>
-          </a:prstGeom>
-        </p:spPr>
-      </p:pic>
-      <p:sp>
-        <p:nvSpPr>
-          <p:cNvPr id="2" name="TextBox 1">
-            <a:extLst>
-              <a:ext uri="{FF2B5EF4-FFF2-40B4-BE49-F238E27FC236}">
-                <a16:creationId xmlns:a16="http://schemas.microsoft.com/office/drawing/2014/main" id="{05279C0D-E35D-4A4E-998B-68B48AA8D7F4}"/>
-              </a:ext>
-            </a:extLst>
-          </p:cNvPr>
-          <p:cNvSpPr txBox="1"/>
-          <p:nvPr/>
-        </p:nvSpPr>
-        <p:spPr>
-          <a:xfrm>
-            <a:off x="9903655" y="512978"/>
-            <a:ext cx="1800665" cy="400110"/>
-          </a:xfrm>
-          <a:prstGeom prst="rect">
-            <a:avLst/>
-          </a:prstGeom>
-          <a:noFill/>
-        </p:spPr>
-        <p:txBody>
-          <a:bodyPr wrap="square">
-            <a:spAutoFit/>
-          </a:bodyPr>
-          <a:lstStyle/>
-          <a:p>
-            <a:r>
-              <a:rPr lang="en-US" sz="2000" b="1" dirty="0">
-                <a:solidFill>
-                  <a:srgbClr val="C00000"/>
-                </a:solidFill>
-                <a:latin typeface="Times New Roman" panose="02020603050405020304" pitchFamily="18" charset="0"/>
-                <a:cs typeface="Times New Roman" panose="02020603050405020304" pitchFamily="18" charset="0"/>
-              </a:rPr>
-              <a:t>Continued.......</a:t>
-            </a:r>
-          </a:p>
-        </p:txBody>
-      </p:sp>
-    </p:spTree>
-    <p:extLst>
-      <p:ext uri="{BB962C8B-B14F-4D97-AF65-F5344CB8AC3E}">
-        <p14:creationId xmlns:p14="http://schemas.microsoft.com/office/powerpoint/2010/main" val="1745871692"/>
-      </p:ext>
-    </p:extLst>
-  </p:cSld>
-  <p:clrMapOvr>
-    <a:masterClrMapping/>
-  </p:clrMapOvr>
-</p:sld>
-</file>
-
-<file path=ppt/slides/slide20.xml><?xml version="1.0" encoding="utf-8"?>
+<file path=ppt/slides/slide21.xml><?xml version="1.0" encoding="utf-8"?>
 <p:sld xmlns:a="http://schemas.openxmlformats.org/drawingml/2006/main" xmlns:r="http://schemas.openxmlformats.org/officeDocument/2006/relationships" xmlns:p="http://schemas.openxmlformats.org/presentationml/2006/main">
   <p:cSld>
     <p:spTree>
@@ -18854,7 +19363,7 @@
 </p:sld>
 </file>
 
-<file path=ppt/slides/slide21.xml><?xml version="1.0" encoding="utf-8"?>
+<file path=ppt/slides/slide22.xml><?xml version="1.0" encoding="utf-8"?>
 <p:sld xmlns:a="http://schemas.openxmlformats.org/drawingml/2006/main" xmlns:r="http://schemas.openxmlformats.org/officeDocument/2006/relationships" xmlns:p="http://schemas.openxmlformats.org/presentationml/2006/main">
   <p:cSld>
     <p:spTree>
